--- a/presentations/pptx/04-Building tidy functions.pptx
+++ b/presentations/pptx/04-Building tidy functions.pptx
@@ -215,7 +215,7 @@
           <a:p>
             <a:fld id="{5C93CA8F-50F8-44B5-B48F-4C4452AC4FCB}" type="datetimeFigureOut">
               <a:rPr lang="he-IL" smtClean="0"/>
-              <a:t>ב'/ניסן/תשע"ט</a:t>
+              <a:t>ב'/אייר/תשע"ט</a:t>
             </a:fld>
             <a:endParaRPr lang="he-IL"/>
           </a:p>
@@ -972,7 +972,7 @@
           <a:p>
             <a:fld id="{808B8BE7-FA93-462E-91E9-54E26C408D98}" type="datetime6">
               <a:rPr lang="en-US" smtClean="0"/>
-              <a:t>April 19</a:t>
+              <a:t>May 19</a:t>
             </a:fld>
             <a:endParaRPr lang="en-US" dirty="0"/>
           </a:p>
@@ -1205,7 +1205,7 @@
           <a:p>
             <a:fld id="{0D82CCDA-FC2D-4BA5-90E3-739DC6ED4C30}" type="datetime6">
               <a:rPr lang="en-US" smtClean="0"/>
-              <a:t>April 19</a:t>
+              <a:t>May 19</a:t>
             </a:fld>
             <a:endParaRPr lang="en-US" dirty="0"/>
           </a:p>
@@ -1384,7 +1384,7 @@
           <a:p>
             <a:fld id="{8F88DA83-5073-4626-B6B8-E91A24F45A53}" type="datetime6">
               <a:rPr lang="en-US" smtClean="0"/>
-              <a:t>April 19</a:t>
+              <a:t>May 19</a:t>
             </a:fld>
             <a:endParaRPr lang="en-US" dirty="0"/>
           </a:p>
@@ -1553,7 +1553,7 @@
           <a:p>
             <a:fld id="{EEBDCC4F-2BAB-4EBD-BBEA-01B8D436681A}" type="datetime6">
               <a:rPr lang="en-US" smtClean="0"/>
-              <a:t>April 19</a:t>
+              <a:t>May 19</a:t>
             </a:fld>
             <a:endParaRPr lang="en-US" dirty="0"/>
           </a:p>
@@ -1877,7 +1877,7 @@
           <a:p>
             <a:fld id="{79487F88-0456-4CDE-8B89-4A78647F618A}" type="datetime6">
               <a:rPr lang="en-US" smtClean="0"/>
-              <a:t>April 19</a:t>
+              <a:t>May 19</a:t>
             </a:fld>
             <a:endParaRPr lang="en-US" dirty="0"/>
           </a:p>
@@ -2327,7 +2327,7 @@
           <a:p>
             <a:fld id="{9136D32D-E4FB-4AA6-8422-EE667E33FFC1}" type="datetime6">
               <a:rPr lang="en-US" smtClean="0"/>
-              <a:t>April 19</a:t>
+              <a:t>May 19</a:t>
             </a:fld>
             <a:endParaRPr lang="en-US" dirty="0"/>
           </a:p>
@@ -2760,7 +2760,7 @@
           <a:p>
             <a:fld id="{3AB3EC8A-F822-46B6-826B-CC266009A74B}" type="datetime6">
               <a:rPr lang="en-US" smtClean="0"/>
-              <a:t>April 19</a:t>
+              <a:t>May 19</a:t>
             </a:fld>
             <a:endParaRPr lang="en-US" dirty="0"/>
           </a:p>
@@ -2877,7 +2877,7 @@
           <a:p>
             <a:fld id="{514A54EB-9E75-485B-93FC-08837C33F6A9}" type="datetime6">
               <a:rPr lang="en-US" smtClean="0"/>
-              <a:t>April 19</a:t>
+              <a:t>May 19</a:t>
             </a:fld>
             <a:endParaRPr lang="en-US" dirty="0"/>
           </a:p>
@@ -2971,7 +2971,7 @@
           <a:p>
             <a:fld id="{4187F57E-3EB2-4425-B7C6-E80F41215C16}" type="datetime6">
               <a:rPr lang="en-US" smtClean="0"/>
-              <a:t>April 19</a:t>
+              <a:t>May 19</a:t>
             </a:fld>
             <a:endParaRPr lang="en-US" dirty="0"/>
           </a:p>
@@ -3320,7 +3320,7 @@
           <a:p>
             <a:fld id="{C0AA945B-18EE-4367-BA0C-8D19048BCABE}" type="datetime6">
               <a:rPr lang="en-US" smtClean="0"/>
-              <a:t>April 19</a:t>
+              <a:t>May 19</a:t>
             </a:fld>
             <a:endParaRPr lang="en-US" dirty="0"/>
           </a:p>
@@ -3808,7 +3808,7 @@
           <a:p>
             <a:fld id="{F5D71FBB-8CD4-4D0A-B8C4-65C60609C705}" type="datetime6">
               <a:rPr lang="en-US" smtClean="0"/>
-              <a:t>April 19</a:t>
+              <a:t>May 19</a:t>
             </a:fld>
             <a:endParaRPr lang="en-US" dirty="0"/>
           </a:p>
@@ -4140,7 +4140,7 @@
           <a:p>
             <a:fld id="{CB7DA022-A739-4269-87CF-EB9B0BE787C4}" type="datetime6">
               <a:rPr lang="en-US" smtClean="0"/>
-              <a:t>April 19</a:t>
+              <a:t>May 19</a:t>
             </a:fld>
             <a:endParaRPr lang="en-US" dirty="0"/>
           </a:p>
@@ -4889,7 +4889,7 @@
           <a:lstStyle/>
           <a:p>
             <a:r>
-              <a:rPr lang="en-US" dirty="0" smtClean="0"/>
+              <a:rPr lang="en-US" dirty="0"/>
               <a:t>Recap</a:t>
             </a:r>
             <a:endParaRPr lang="he-IL" dirty="0"/>
@@ -4912,63 +4912,63 @@
           <a:lstStyle/>
           <a:p>
             <a:r>
-              <a:rPr lang="en-US" dirty="0" smtClean="0"/>
+              <a:rPr lang="en-US" dirty="0"/>
               <a:t>We saw how to batch generate parametrized </a:t>
             </a:r>
             <a:r>
-              <a:rPr lang="en-US" dirty="0" err="1" smtClean="0"/>
+              <a:rPr lang="en-US" dirty="0" err="1"/>
               <a:t>Rmarkdown</a:t>
             </a:r>
             <a:r>
-              <a:rPr lang="en-US" dirty="0" smtClean="0"/>
+              <a:rPr lang="en-US" dirty="0"/>
               <a:t> reports</a:t>
             </a:r>
           </a:p>
           <a:p>
             <a:r>
-              <a:rPr lang="en-US" dirty="0" smtClean="0"/>
+              <a:rPr lang="en-US" dirty="0"/>
               <a:t>We talked about </a:t>
             </a:r>
             <a:r>
-              <a:rPr lang="en-US" dirty="0" err="1" smtClean="0"/>
+              <a:rPr lang="en-US" dirty="0" err="1"/>
               <a:t>tidyverse</a:t>
             </a:r>
             <a:r>
-              <a:rPr lang="en-US" dirty="0" smtClean="0"/>
+              <a:rPr lang="en-US" dirty="0"/>
               <a:t>: </a:t>
             </a:r>
           </a:p>
           <a:p>
             <a:pPr lvl="1"/>
             <a:r>
-              <a:rPr lang="en-US" dirty="0" smtClean="0"/>
+              <a:rPr lang="en-US" dirty="0"/>
               <a:t>reshaping data w/ spread &amp; gather</a:t>
             </a:r>
           </a:p>
           <a:p>
             <a:pPr lvl="1"/>
             <a:r>
-              <a:rPr lang="en-US" dirty="0" smtClean="0"/>
+              <a:rPr lang="en-US" dirty="0"/>
               <a:t>using </a:t>
             </a:r>
             <a:r>
-              <a:rPr lang="en-US" dirty="0" err="1" smtClean="0"/>
+              <a:rPr lang="en-US" dirty="0" err="1"/>
               <a:t>mutate_at</a:t>
             </a:r>
             <a:r>
-              <a:rPr lang="en-US" dirty="0" smtClean="0"/>
+              <a:rPr lang="en-US" dirty="0"/>
               <a:t>, </a:t>
             </a:r>
             <a:r>
-              <a:rPr lang="en-US" dirty="0" err="1" smtClean="0"/>
+              <a:rPr lang="en-US" dirty="0" err="1"/>
               <a:t>mutate_if</a:t>
             </a:r>
             <a:r>
-              <a:rPr lang="en-US" dirty="0" smtClean="0"/>
+              <a:rPr lang="en-US" dirty="0"/>
               <a:t>, </a:t>
             </a:r>
             <a:r>
-              <a:rPr lang="en-US" dirty="0" err="1" smtClean="0"/>
+              <a:rPr lang="en-US" dirty="0" err="1"/>
               <a:t>mutate_all</a:t>
             </a:r>
             <a:endParaRPr lang="en-US" dirty="0"/>
@@ -4976,50 +4976,9 @@
           <a:p>
             <a:pPr lvl="1"/>
             <a:r>
-              <a:rPr lang="en-US" dirty="0" smtClean="0"/>
+              <a:rPr lang="en-US" dirty="0"/>
               <a:t>similar summarize_*, rename_*</a:t>
             </a:r>
-          </a:p>
-          <a:p>
-            <a:r>
-              <a:rPr lang="en-US" b="1" dirty="0" smtClean="0"/>
-              <a:t>A few notes on…</a:t>
-            </a:r>
-            <a:endParaRPr lang="en-US" b="1" dirty="0"/>
-          </a:p>
-          <a:p>
-            <a:pPr lvl="1"/>
-            <a:r>
-              <a:rPr lang="en-US" dirty="0" smtClean="0"/>
-              <a:t>gather’s </a:t>
-            </a:r>
-            <a:r>
-              <a:rPr lang="en-US" dirty="0"/>
-              <a:t>third argument</a:t>
-            </a:r>
-          </a:p>
-          <a:p>
-            <a:pPr lvl="1"/>
-            <a:r>
-              <a:rPr lang="en-US" dirty="0"/>
-              <a:t>using list</a:t>
-            </a:r>
-            <a:r>
-              <a:rPr lang="en-US" dirty="0" smtClean="0"/>
-              <a:t>(~f) </a:t>
-            </a:r>
-            <a:r>
-              <a:rPr lang="en-US" dirty="0"/>
-              <a:t>instead of </a:t>
-            </a:r>
-            <a:r>
-              <a:rPr lang="en-US" dirty="0" smtClean="0"/>
-              <a:t>funs(f)</a:t>
-            </a:r>
-            <a:endParaRPr lang="he-IL" dirty="0"/>
-          </a:p>
-          <a:p>
-            <a:endParaRPr lang="he-IL" dirty="0"/>
           </a:p>
         </p:txBody>
       </p:sp>
@@ -5039,7 +4998,7 @@
           <a:lstStyle/>
           <a:p>
             <a:r>
-              <a:rPr lang="en-US" smtClean="0"/>
+              <a:rPr lang="en-US"/>
               <a:t>Materials by Adi Sarid https://adisarid.github.io and http://www.sarid-ins.com</a:t>
             </a:r>
             <a:endParaRPr lang="en-US" dirty="0"/>
@@ -5762,21 +5721,7 @@
                 <a:latin typeface="Courier New" panose="02070309020205020404" pitchFamily="49" charset="0"/>
                 <a:cs typeface="Courier New" panose="02070309020205020404" pitchFamily="49" charset="0"/>
               </a:rPr>
-              <a:t>paste("good", "morning", "</a:t>
-            </a:r>
-            <a:r>
-              <a:rPr lang="en-US" dirty="0" err="1">
-                <a:latin typeface="Courier New" panose="02070309020205020404" pitchFamily="49" charset="0"/>
-                <a:cs typeface="Courier New" panose="02070309020205020404" pitchFamily="49" charset="0"/>
-              </a:rPr>
-              <a:t>riskified</a:t>
-            </a:r>
-            <a:r>
-              <a:rPr lang="en-US" dirty="0">
-                <a:latin typeface="Courier New" panose="02070309020205020404" pitchFamily="49" charset="0"/>
-                <a:cs typeface="Courier New" panose="02070309020205020404" pitchFamily="49" charset="0"/>
-              </a:rPr>
-              <a:t>!")</a:t>
+              <a:t>paste("good", "morning", “class!")</a:t>
             </a:r>
           </a:p>
           <a:p>
@@ -5909,21 +5854,7 @@
                 <a:latin typeface="Courier New" panose="02070309020205020404" pitchFamily="49" charset="0"/>
                 <a:cs typeface="Courier New" panose="02070309020205020404" pitchFamily="49" charset="0"/>
               </a:rPr>
-              <a:t>cement(good, morning, </a:t>
-            </a:r>
-            <a:r>
-              <a:rPr lang="en-US" dirty="0" err="1">
-                <a:latin typeface="Courier New" panose="02070309020205020404" pitchFamily="49" charset="0"/>
-                <a:cs typeface="Courier New" panose="02070309020205020404" pitchFamily="49" charset="0"/>
-              </a:rPr>
-              <a:t>riskified</a:t>
-            </a:r>
-            <a:r>
-              <a:rPr lang="en-US" dirty="0">
-                <a:latin typeface="Courier New" panose="02070309020205020404" pitchFamily="49" charset="0"/>
-                <a:cs typeface="Courier New" panose="02070309020205020404" pitchFamily="49" charset="0"/>
-              </a:rPr>
-              <a:t>)</a:t>
+              <a:t>cement(good, morning, class)</a:t>
             </a:r>
           </a:p>
         </p:txBody>
